--- a/src/good_presentation.pptx
+++ b/src/good_presentation.pptx
@@ -3112,6 +3112,9 @@
                 <a:latin typeface="Arial"/>
               </a:defRPr>
             </a:pPr>
+            <a:r>
+              <a:t>Тестовая презентация</a:t>
+            </a:r>
           </a:p>
         </p:txBody>
       </p:sp>
@@ -3155,7 +3158,7 @@
           <a:lstStyle/>
           <a:p>
             <a:pPr>
-              <a:defRPr sz="1400">
+              <a:defRPr sz="1600">
                 <a:latin typeface="Arial"/>
               </a:defRPr>
             </a:pPr>
@@ -3203,6 +3206,9 @@
                 <a:latin typeface="Arial"/>
               </a:defRPr>
             </a:pPr>
+            <a:r>
+              <a:t>Слайд 2</a:t>
+            </a:r>
           </a:p>
         </p:txBody>
       </p:sp>
@@ -3276,7 +3282,7 @@
           <a:lstStyle/>
           <a:p>
             <a:pPr>
-              <a:defRPr sz="1400">
+              <a:defRPr sz="1600">
                 <a:latin typeface="Arial"/>
               </a:defRPr>
             </a:pPr>
@@ -3324,6 +3330,9 @@
                 <a:latin typeface="Arial"/>
               </a:defRPr>
             </a:pPr>
+            <a:r>
+              <a:t>Слайд 3</a:t>
+            </a:r>
           </a:p>
         </p:txBody>
       </p:sp>
@@ -3397,7 +3406,7 @@
           <a:lstStyle/>
           <a:p>
             <a:pPr>
-              <a:defRPr sz="1400">
+              <a:defRPr sz="1600">
                 <a:latin typeface="Arial"/>
               </a:defRPr>
             </a:pPr>
@@ -3445,6 +3454,9 @@
                 <a:latin typeface="Arial"/>
               </a:defRPr>
             </a:pPr>
+            <a:r>
+              <a:t>Слайд 4</a:t>
+            </a:r>
           </a:p>
         </p:txBody>
       </p:sp>
@@ -3518,7 +3530,7 @@
           <a:lstStyle/>
           <a:p>
             <a:pPr>
-              <a:defRPr sz="1400">
+              <a:defRPr sz="1600">
                 <a:latin typeface="Arial"/>
               </a:defRPr>
             </a:pPr>
@@ -3566,6 +3578,9 @@
                 <a:latin typeface="Arial"/>
               </a:defRPr>
             </a:pPr>
+            <a:r>
+              <a:t>Слайд 5</a:t>
+            </a:r>
           </a:p>
         </p:txBody>
       </p:sp>
@@ -3639,7 +3654,7 @@
           <a:lstStyle/>
           <a:p>
             <a:pPr>
-              <a:defRPr sz="1400">
+              <a:defRPr sz="1600">
                 <a:latin typeface="Arial"/>
               </a:defRPr>
             </a:pPr>
